--- a/课程PPT/5.3  白盒测试技术-对于判定的测试.pptx
+++ b/课程PPT/5.3  白盒测试技术-对于判定的测试.pptx
@@ -5409,166 +5409,6 @@
               <a:rPr lang="zh-CN" altLang="en-US" dirty="0"/>
               <a:t>控制流分析技术</a:t>
             </a:r>
-          </a:p>
-        </p:txBody>
-      </p:sp>
-      <p:sp>
-        <p:nvSpPr>
-          <p:cNvPr id="5122" name="灯片编号占位符 5"/>
-          <p:cNvSpPr>
-            <a:spLocks noGrp="1"/>
-          </p:cNvSpPr>
-          <p:nvPr>
-            <p:ph type="sldNum" sz="quarter" idx="4294967295"/>
-          </p:nvPr>
-        </p:nvSpPr>
-        <p:spPr>
-          <a:xfrm>
-            <a:off x="7162800" y="6245225"/>
-            <a:ext cx="1981200" cy="476250"/>
-          </a:xfrm>
-          <a:prstGeom prst="rect">
-            <a:avLst/>
-          </a:prstGeom>
-          <a:noFill/>
-          <a:ln/>
-          <a:extLst>
-            <a:ext uri="{909E8E84-426E-40DD-AFC4-6F175D3DCCD1}">
-              <a14:hiddenFill xmlns:a14="http://schemas.microsoft.com/office/drawing/2010/main">
-                <a:solidFill>
-                  <a:srgbClr val="FFFFFF"/>
-                </a:solidFill>
-              </a14:hiddenFill>
-            </a:ext>
-            <a:ext uri="{91240B29-F687-4F45-9708-019B960494DF}">
-              <a14:hiddenLine xmlns:a14="http://schemas.microsoft.com/office/drawing/2010/main" w="9525">
-                <a:solidFill>
-                  <a:srgbClr val="000000"/>
-                </a:solidFill>
-                <a:miter lim="800000"/>
-                <a:headEnd/>
-                <a:tailEnd/>
-              </a14:hiddenLine>
-            </a:ext>
-          </a:extLst>
-        </p:spPr>
-        <p:txBody>
-          <a:bodyPr/>
-          <a:lstStyle>
-            <a:lvl1pPr eaLnBrk="0" hangingPunct="0">
-              <a:defRPr>
-                <a:solidFill>
-                  <a:schemeClr val="tx1"/>
-                </a:solidFill>
-                <a:latin typeface="Verdana" pitchFamily="34" charset="0"/>
-                <a:ea typeface="宋体" charset="-122"/>
-              </a:defRPr>
-            </a:lvl1pPr>
-            <a:lvl2pPr marL="742950" indent="-285750" eaLnBrk="0" hangingPunct="0">
-              <a:defRPr>
-                <a:solidFill>
-                  <a:schemeClr val="tx1"/>
-                </a:solidFill>
-                <a:latin typeface="Verdana" pitchFamily="34" charset="0"/>
-                <a:ea typeface="宋体" charset="-122"/>
-              </a:defRPr>
-            </a:lvl2pPr>
-            <a:lvl3pPr marL="1143000" indent="-228600" eaLnBrk="0" hangingPunct="0">
-              <a:defRPr>
-                <a:solidFill>
-                  <a:schemeClr val="tx1"/>
-                </a:solidFill>
-                <a:latin typeface="Verdana" pitchFamily="34" charset="0"/>
-                <a:ea typeface="宋体" charset="-122"/>
-              </a:defRPr>
-            </a:lvl3pPr>
-            <a:lvl4pPr marL="1600200" indent="-228600" eaLnBrk="0" hangingPunct="0">
-              <a:defRPr>
-                <a:solidFill>
-                  <a:schemeClr val="tx1"/>
-                </a:solidFill>
-                <a:latin typeface="Verdana" pitchFamily="34" charset="0"/>
-                <a:ea typeface="宋体" charset="-122"/>
-              </a:defRPr>
-            </a:lvl4pPr>
-            <a:lvl5pPr marL="2057400" indent="-228600" eaLnBrk="0" hangingPunct="0">
-              <a:defRPr>
-                <a:solidFill>
-                  <a:schemeClr val="tx1"/>
-                </a:solidFill>
-                <a:latin typeface="Verdana" pitchFamily="34" charset="0"/>
-                <a:ea typeface="宋体" charset="-122"/>
-              </a:defRPr>
-            </a:lvl5pPr>
-            <a:lvl6pPr marL="2514600" indent="-228600" eaLnBrk="0" fontAlgn="base" hangingPunct="0">
-              <a:spcBef>
-                <a:spcPct val="0"/>
-              </a:spcBef>
-              <a:spcAft>
-                <a:spcPct val="0"/>
-              </a:spcAft>
-              <a:defRPr>
-                <a:solidFill>
-                  <a:schemeClr val="tx1"/>
-                </a:solidFill>
-                <a:latin typeface="Verdana" pitchFamily="34" charset="0"/>
-                <a:ea typeface="宋体" charset="-122"/>
-              </a:defRPr>
-            </a:lvl6pPr>
-            <a:lvl7pPr marL="2971800" indent="-228600" eaLnBrk="0" fontAlgn="base" hangingPunct="0">
-              <a:spcBef>
-                <a:spcPct val="0"/>
-              </a:spcBef>
-              <a:spcAft>
-                <a:spcPct val="0"/>
-              </a:spcAft>
-              <a:defRPr>
-                <a:solidFill>
-                  <a:schemeClr val="tx1"/>
-                </a:solidFill>
-                <a:latin typeface="Verdana" pitchFamily="34" charset="0"/>
-                <a:ea typeface="宋体" charset="-122"/>
-              </a:defRPr>
-            </a:lvl7pPr>
-            <a:lvl8pPr marL="3429000" indent="-228600" eaLnBrk="0" fontAlgn="base" hangingPunct="0">
-              <a:spcBef>
-                <a:spcPct val="0"/>
-              </a:spcBef>
-              <a:spcAft>
-                <a:spcPct val="0"/>
-              </a:spcAft>
-              <a:defRPr>
-                <a:solidFill>
-                  <a:schemeClr val="tx1"/>
-                </a:solidFill>
-                <a:latin typeface="Verdana" pitchFamily="34" charset="0"/>
-                <a:ea typeface="宋体" charset="-122"/>
-              </a:defRPr>
-            </a:lvl8pPr>
-            <a:lvl9pPr marL="3886200" indent="-228600" eaLnBrk="0" fontAlgn="base" hangingPunct="0">
-              <a:spcBef>
-                <a:spcPct val="0"/>
-              </a:spcBef>
-              <a:spcAft>
-                <a:spcPct val="0"/>
-              </a:spcAft>
-              <a:defRPr>
-                <a:solidFill>
-                  <a:schemeClr val="tx1"/>
-                </a:solidFill>
-                <a:latin typeface="Verdana" pitchFamily="34" charset="0"/>
-                <a:ea typeface="宋体" charset="-122"/>
-              </a:defRPr>
-            </a:lvl9pPr>
-          </a:lstStyle>
-          <a:p>
-            <a:pPr eaLnBrk="1" hangingPunct="1"/>
-            <a:fld id="{A0C70013-46F8-43D8-9C50-7439422DB6AA}" type="slidenum">
-              <a:rPr lang="en-US" altLang="zh-CN" smtClean="0"/>
-              <a:pPr eaLnBrk="1" hangingPunct="1"/>
-              <a:t>2</a:t>
-            </a:fld>
-            <a:endParaRPr lang="en-US" altLang="zh-CN" smtClean="0"/>
           </a:p>
         </p:txBody>
       </p:sp>
@@ -8869,6 +8709,13 @@
     <a:masterClrMapping/>
   </p:clrMapOvr>
   <p:transition/>
+  <p:timing>
+    <p:tnLst>
+      <p:par>
+        <p:cTn id="1" dur="indefinite" restart="never" nodeType="tmRoot"/>
+      </p:par>
+    </p:tnLst>
+  </p:timing>
 </p:sld>
 </file>
 
@@ -9114,7 +8961,450 @@
   <p:timing>
     <p:tnLst>
       <p:par>
-        <p:cTn id="1" dur="indefinite" restart="never" nodeType="tmRoot"/>
+        <p:cTn id="1" dur="indefinite" restart="never" nodeType="tmRoot">
+          <p:childTnLst>
+            <p:seq concurrent="1" nextAc="seek">
+              <p:cTn id="2" dur="indefinite" nodeType="mainSeq">
+                <p:childTnLst>
+                  <p:par>
+                    <p:cTn id="3" fill="hold">
+                      <p:stCondLst>
+                        <p:cond delay="indefinite"/>
+                      </p:stCondLst>
+                      <p:childTnLst>
+                        <p:par>
+                          <p:cTn id="4" fill="hold">
+                            <p:stCondLst>
+                              <p:cond delay="0"/>
+                            </p:stCondLst>
+                            <p:childTnLst>
+                              <p:par>
+                                <p:cTn id="5" presetID="10" presetClass="entr" presetSubtype="0" fill="hold" nodeType="clickEffect">
+                                  <p:stCondLst>
+                                    <p:cond delay="0"/>
+                                  </p:stCondLst>
+                                  <p:childTnLst>
+                                    <p:set>
+                                      <p:cBhvr>
+                                        <p:cTn id="6" dur="1" fill="hold">
+                                          <p:stCondLst>
+                                            <p:cond delay="0"/>
+                                          </p:stCondLst>
+                                        </p:cTn>
+                                        <p:tgtEl>
+                                          <p:spTgt spid="3">
+                                            <p:txEl>
+                                              <p:pRg st="0" end="0"/>
+                                            </p:txEl>
+                                          </p:spTgt>
+                                        </p:tgtEl>
+                                        <p:attrNameLst>
+                                          <p:attrName>style.visibility</p:attrName>
+                                        </p:attrNameLst>
+                                      </p:cBhvr>
+                                      <p:to>
+                                        <p:strVal val="visible"/>
+                                      </p:to>
+                                    </p:set>
+                                    <p:animEffect transition="in" filter="fade">
+                                      <p:cBhvr>
+                                        <p:cTn id="7" dur="500"/>
+                                        <p:tgtEl>
+                                          <p:spTgt spid="3">
+                                            <p:txEl>
+                                              <p:pRg st="0" end="0"/>
+                                            </p:txEl>
+                                          </p:spTgt>
+                                        </p:tgtEl>
+                                      </p:cBhvr>
+                                    </p:animEffect>
+                                  </p:childTnLst>
+                                </p:cTn>
+                              </p:par>
+                              <p:par>
+                                <p:cTn id="8" presetID="10" presetClass="entr" presetSubtype="0" fill="hold" nodeType="withEffect">
+                                  <p:stCondLst>
+                                    <p:cond delay="0"/>
+                                  </p:stCondLst>
+                                  <p:childTnLst>
+                                    <p:set>
+                                      <p:cBhvr>
+                                        <p:cTn id="9" dur="1" fill="hold">
+                                          <p:stCondLst>
+                                            <p:cond delay="0"/>
+                                          </p:stCondLst>
+                                        </p:cTn>
+                                        <p:tgtEl>
+                                          <p:spTgt spid="3">
+                                            <p:txEl>
+                                              <p:pRg st="1" end="1"/>
+                                            </p:txEl>
+                                          </p:spTgt>
+                                        </p:tgtEl>
+                                        <p:attrNameLst>
+                                          <p:attrName>style.visibility</p:attrName>
+                                        </p:attrNameLst>
+                                      </p:cBhvr>
+                                      <p:to>
+                                        <p:strVal val="visible"/>
+                                      </p:to>
+                                    </p:set>
+                                    <p:animEffect transition="in" filter="fade">
+                                      <p:cBhvr>
+                                        <p:cTn id="10" dur="500"/>
+                                        <p:tgtEl>
+                                          <p:spTgt spid="3">
+                                            <p:txEl>
+                                              <p:pRg st="1" end="1"/>
+                                            </p:txEl>
+                                          </p:spTgt>
+                                        </p:tgtEl>
+                                      </p:cBhvr>
+                                    </p:animEffect>
+                                  </p:childTnLst>
+                                </p:cTn>
+                              </p:par>
+                              <p:par>
+                                <p:cTn id="11" presetID="10" presetClass="entr" presetSubtype="0" fill="hold" nodeType="withEffect">
+                                  <p:stCondLst>
+                                    <p:cond delay="0"/>
+                                  </p:stCondLst>
+                                  <p:childTnLst>
+                                    <p:set>
+                                      <p:cBhvr>
+                                        <p:cTn id="12" dur="1" fill="hold">
+                                          <p:stCondLst>
+                                            <p:cond delay="0"/>
+                                          </p:stCondLst>
+                                        </p:cTn>
+                                        <p:tgtEl>
+                                          <p:spTgt spid="3">
+                                            <p:txEl>
+                                              <p:pRg st="2" end="2"/>
+                                            </p:txEl>
+                                          </p:spTgt>
+                                        </p:tgtEl>
+                                        <p:attrNameLst>
+                                          <p:attrName>style.visibility</p:attrName>
+                                        </p:attrNameLst>
+                                      </p:cBhvr>
+                                      <p:to>
+                                        <p:strVal val="visible"/>
+                                      </p:to>
+                                    </p:set>
+                                    <p:animEffect transition="in" filter="fade">
+                                      <p:cBhvr>
+                                        <p:cTn id="13" dur="500"/>
+                                        <p:tgtEl>
+                                          <p:spTgt spid="3">
+                                            <p:txEl>
+                                              <p:pRg st="2" end="2"/>
+                                            </p:txEl>
+                                          </p:spTgt>
+                                        </p:tgtEl>
+                                      </p:cBhvr>
+                                    </p:animEffect>
+                                  </p:childTnLst>
+                                </p:cTn>
+                              </p:par>
+                            </p:childTnLst>
+                          </p:cTn>
+                        </p:par>
+                      </p:childTnLst>
+                    </p:cTn>
+                  </p:par>
+                  <p:par>
+                    <p:cTn id="14" fill="hold">
+                      <p:stCondLst>
+                        <p:cond delay="indefinite"/>
+                      </p:stCondLst>
+                      <p:childTnLst>
+                        <p:par>
+                          <p:cTn id="15" fill="hold">
+                            <p:stCondLst>
+                              <p:cond delay="0"/>
+                            </p:stCondLst>
+                            <p:childTnLst>
+                              <p:par>
+                                <p:cTn id="16" presetID="2" presetClass="entr" presetSubtype="4" fill="hold" nodeType="clickEffect">
+                                  <p:stCondLst>
+                                    <p:cond delay="0"/>
+                                  </p:stCondLst>
+                                  <p:childTnLst>
+                                    <p:set>
+                                      <p:cBhvr>
+                                        <p:cTn id="17" dur="1" fill="hold">
+                                          <p:stCondLst>
+                                            <p:cond delay="0"/>
+                                          </p:stCondLst>
+                                        </p:cTn>
+                                        <p:tgtEl>
+                                          <p:spTgt spid="3">
+                                            <p:txEl>
+                                              <p:pRg st="3" end="3"/>
+                                            </p:txEl>
+                                          </p:spTgt>
+                                        </p:tgtEl>
+                                        <p:attrNameLst>
+                                          <p:attrName>style.visibility</p:attrName>
+                                        </p:attrNameLst>
+                                      </p:cBhvr>
+                                      <p:to>
+                                        <p:strVal val="visible"/>
+                                      </p:to>
+                                    </p:set>
+                                    <p:anim calcmode="lin" valueType="num">
+                                      <p:cBhvr additive="base">
+                                        <p:cTn id="18" dur="500" fill="hold"/>
+                                        <p:tgtEl>
+                                          <p:spTgt spid="3">
+                                            <p:txEl>
+                                              <p:pRg st="3" end="3"/>
+                                            </p:txEl>
+                                          </p:spTgt>
+                                        </p:tgtEl>
+                                        <p:attrNameLst>
+                                          <p:attrName>ppt_x</p:attrName>
+                                        </p:attrNameLst>
+                                      </p:cBhvr>
+                                      <p:tavLst>
+                                        <p:tav tm="0">
+                                          <p:val>
+                                            <p:strVal val="#ppt_x"/>
+                                          </p:val>
+                                        </p:tav>
+                                        <p:tav tm="100000">
+                                          <p:val>
+                                            <p:strVal val="#ppt_x"/>
+                                          </p:val>
+                                        </p:tav>
+                                      </p:tavLst>
+                                    </p:anim>
+                                    <p:anim calcmode="lin" valueType="num">
+                                      <p:cBhvr additive="base">
+                                        <p:cTn id="19" dur="500" fill="hold"/>
+                                        <p:tgtEl>
+                                          <p:spTgt spid="3">
+                                            <p:txEl>
+                                              <p:pRg st="3" end="3"/>
+                                            </p:txEl>
+                                          </p:spTgt>
+                                        </p:tgtEl>
+                                        <p:attrNameLst>
+                                          <p:attrName>ppt_y</p:attrName>
+                                        </p:attrNameLst>
+                                      </p:cBhvr>
+                                      <p:tavLst>
+                                        <p:tav tm="0">
+                                          <p:val>
+                                            <p:strVal val="1+#ppt_h/2"/>
+                                          </p:val>
+                                        </p:tav>
+                                        <p:tav tm="100000">
+                                          <p:val>
+                                            <p:strVal val="#ppt_y"/>
+                                          </p:val>
+                                        </p:tav>
+                                      </p:tavLst>
+                                    </p:anim>
+                                  </p:childTnLst>
+                                </p:cTn>
+                              </p:par>
+                              <p:par>
+                                <p:cTn id="20" presetID="2" presetClass="entr" presetSubtype="4" fill="hold" nodeType="withEffect">
+                                  <p:stCondLst>
+                                    <p:cond delay="0"/>
+                                  </p:stCondLst>
+                                  <p:childTnLst>
+                                    <p:set>
+                                      <p:cBhvr>
+                                        <p:cTn id="21" dur="1" fill="hold">
+                                          <p:stCondLst>
+                                            <p:cond delay="0"/>
+                                          </p:stCondLst>
+                                        </p:cTn>
+                                        <p:tgtEl>
+                                          <p:spTgt spid="3">
+                                            <p:txEl>
+                                              <p:pRg st="4" end="4"/>
+                                            </p:txEl>
+                                          </p:spTgt>
+                                        </p:tgtEl>
+                                        <p:attrNameLst>
+                                          <p:attrName>style.visibility</p:attrName>
+                                        </p:attrNameLst>
+                                      </p:cBhvr>
+                                      <p:to>
+                                        <p:strVal val="visible"/>
+                                      </p:to>
+                                    </p:set>
+                                    <p:anim calcmode="lin" valueType="num">
+                                      <p:cBhvr additive="base">
+                                        <p:cTn id="22" dur="500" fill="hold"/>
+                                        <p:tgtEl>
+                                          <p:spTgt spid="3">
+                                            <p:txEl>
+                                              <p:pRg st="4" end="4"/>
+                                            </p:txEl>
+                                          </p:spTgt>
+                                        </p:tgtEl>
+                                        <p:attrNameLst>
+                                          <p:attrName>ppt_x</p:attrName>
+                                        </p:attrNameLst>
+                                      </p:cBhvr>
+                                      <p:tavLst>
+                                        <p:tav tm="0">
+                                          <p:val>
+                                            <p:strVal val="#ppt_x"/>
+                                          </p:val>
+                                        </p:tav>
+                                        <p:tav tm="100000">
+                                          <p:val>
+                                            <p:strVal val="#ppt_x"/>
+                                          </p:val>
+                                        </p:tav>
+                                      </p:tavLst>
+                                    </p:anim>
+                                    <p:anim calcmode="lin" valueType="num">
+                                      <p:cBhvr additive="base">
+                                        <p:cTn id="23" dur="500" fill="hold"/>
+                                        <p:tgtEl>
+                                          <p:spTgt spid="3">
+                                            <p:txEl>
+                                              <p:pRg st="4" end="4"/>
+                                            </p:txEl>
+                                          </p:spTgt>
+                                        </p:tgtEl>
+                                        <p:attrNameLst>
+                                          <p:attrName>ppt_y</p:attrName>
+                                        </p:attrNameLst>
+                                      </p:cBhvr>
+                                      <p:tavLst>
+                                        <p:tav tm="0">
+                                          <p:val>
+                                            <p:strVal val="1+#ppt_h/2"/>
+                                          </p:val>
+                                        </p:tav>
+                                        <p:tav tm="100000">
+                                          <p:val>
+                                            <p:strVal val="#ppt_y"/>
+                                          </p:val>
+                                        </p:tav>
+                                      </p:tavLst>
+                                    </p:anim>
+                                  </p:childTnLst>
+                                </p:cTn>
+                              </p:par>
+                              <p:par>
+                                <p:cTn id="24" presetID="2" presetClass="entr" presetSubtype="4" fill="hold" nodeType="withEffect">
+                                  <p:stCondLst>
+                                    <p:cond delay="0"/>
+                                  </p:stCondLst>
+                                  <p:childTnLst>
+                                    <p:set>
+                                      <p:cBhvr>
+                                        <p:cTn id="25" dur="1" fill="hold">
+                                          <p:stCondLst>
+                                            <p:cond delay="0"/>
+                                          </p:stCondLst>
+                                        </p:cTn>
+                                        <p:tgtEl>
+                                          <p:spTgt spid="3">
+                                            <p:txEl>
+                                              <p:pRg st="5" end="5"/>
+                                            </p:txEl>
+                                          </p:spTgt>
+                                        </p:tgtEl>
+                                        <p:attrNameLst>
+                                          <p:attrName>style.visibility</p:attrName>
+                                        </p:attrNameLst>
+                                      </p:cBhvr>
+                                      <p:to>
+                                        <p:strVal val="visible"/>
+                                      </p:to>
+                                    </p:set>
+                                    <p:anim calcmode="lin" valueType="num">
+                                      <p:cBhvr additive="base">
+                                        <p:cTn id="26" dur="500" fill="hold"/>
+                                        <p:tgtEl>
+                                          <p:spTgt spid="3">
+                                            <p:txEl>
+                                              <p:pRg st="5" end="5"/>
+                                            </p:txEl>
+                                          </p:spTgt>
+                                        </p:tgtEl>
+                                        <p:attrNameLst>
+                                          <p:attrName>ppt_x</p:attrName>
+                                        </p:attrNameLst>
+                                      </p:cBhvr>
+                                      <p:tavLst>
+                                        <p:tav tm="0">
+                                          <p:val>
+                                            <p:strVal val="#ppt_x"/>
+                                          </p:val>
+                                        </p:tav>
+                                        <p:tav tm="100000">
+                                          <p:val>
+                                            <p:strVal val="#ppt_x"/>
+                                          </p:val>
+                                        </p:tav>
+                                      </p:tavLst>
+                                    </p:anim>
+                                    <p:anim calcmode="lin" valueType="num">
+                                      <p:cBhvr additive="base">
+                                        <p:cTn id="27" dur="500" fill="hold"/>
+                                        <p:tgtEl>
+                                          <p:spTgt spid="3">
+                                            <p:txEl>
+                                              <p:pRg st="5" end="5"/>
+                                            </p:txEl>
+                                          </p:spTgt>
+                                        </p:tgtEl>
+                                        <p:attrNameLst>
+                                          <p:attrName>ppt_y</p:attrName>
+                                        </p:attrNameLst>
+                                      </p:cBhvr>
+                                      <p:tavLst>
+                                        <p:tav tm="0">
+                                          <p:val>
+                                            <p:strVal val="1+#ppt_h/2"/>
+                                          </p:val>
+                                        </p:tav>
+                                        <p:tav tm="100000">
+                                          <p:val>
+                                            <p:strVal val="#ppt_y"/>
+                                          </p:val>
+                                        </p:tav>
+                                      </p:tavLst>
+                                    </p:anim>
+                                  </p:childTnLst>
+                                </p:cTn>
+                              </p:par>
+                            </p:childTnLst>
+                          </p:cTn>
+                        </p:par>
+                      </p:childTnLst>
+                    </p:cTn>
+                  </p:par>
+                </p:childTnLst>
+              </p:cTn>
+              <p:prevCondLst>
+                <p:cond evt="onPrev" delay="0">
+                  <p:tgtEl>
+                    <p:sldTgt/>
+                  </p:tgtEl>
+                </p:cond>
+              </p:prevCondLst>
+              <p:nextCondLst>
+                <p:cond evt="onNext" delay="0">
+                  <p:tgtEl>
+                    <p:sldTgt/>
+                  </p:tgtEl>
+                </p:cond>
+              </p:nextCondLst>
+            </p:seq>
+          </p:childTnLst>
+        </p:cTn>
       </p:par>
     </p:tnLst>
   </p:timing>
@@ -9619,6 +9909,13 @@
     <a:masterClrMapping/>
   </p:clrMapOvr>
   <p:transition/>
+  <p:timing>
+    <p:tnLst>
+      <p:par>
+        <p:cTn id="1" dur="indefinite" restart="never" nodeType="tmRoot"/>
+      </p:par>
+    </p:tnLst>
+  </p:timing>
 </p:sld>
 </file>
 
@@ -10090,6 +10387,13 @@
     <a:masterClrMapping/>
   </p:clrMapOvr>
   <p:transition/>
+  <p:timing>
+    <p:tnLst>
+      <p:par>
+        <p:cTn id="1" dur="indefinite" restart="never" nodeType="tmRoot"/>
+      </p:par>
+    </p:tnLst>
+  </p:timing>
 </p:sld>
 </file>
 
@@ -10270,6 +10574,13 @@
     <a:masterClrMapping/>
   </p:clrMapOvr>
   <p:transition/>
+  <p:timing>
+    <p:tnLst>
+      <p:par>
+        <p:cTn id="1" dur="indefinite" restart="never" nodeType="tmRoot"/>
+      </p:par>
+    </p:tnLst>
+  </p:timing>
 </p:sld>
 </file>
 
@@ -10450,6 +10761,13 @@
     <a:masterClrMapping/>
   </p:clrMapOvr>
   <p:transition/>
+  <p:timing>
+    <p:tnLst>
+      <p:par>
+        <p:cTn id="1" dur="indefinite" restart="never" nodeType="tmRoot"/>
+      </p:par>
+    </p:tnLst>
+  </p:timing>
 </p:sld>
 </file>
 
@@ -10597,6 +10915,13 @@
     <a:masterClrMapping/>
   </p:clrMapOvr>
   <p:transition/>
+  <p:timing>
+    <p:tnLst>
+      <p:par>
+        <p:cTn id="1" dur="indefinite" restart="never" nodeType="tmRoot"/>
+      </p:par>
+    </p:tnLst>
+  </p:timing>
 </p:sld>
 </file>
 
